--- a/Dial100 .pptx
+++ b/Dial100 .pptx
@@ -11,11 +11,13 @@
     <p:sldId id="259" r:id="rId5"/>
     <p:sldId id="260" r:id="rId6"/>
     <p:sldId id="262" r:id="rId7"/>
-    <p:sldId id="263" r:id="rId8"/>
-    <p:sldId id="264" r:id="rId9"/>
-    <p:sldId id="265" r:id="rId10"/>
-    <p:sldId id="266" r:id="rId11"/>
-    <p:sldId id="267" r:id="rId12"/>
+    <p:sldId id="269" r:id="rId8"/>
+    <p:sldId id="271" r:id="rId9"/>
+    <p:sldId id="263" r:id="rId10"/>
+    <p:sldId id="264" r:id="rId11"/>
+    <p:sldId id="265" r:id="rId12"/>
+    <p:sldId id="266" r:id="rId13"/>
+    <p:sldId id="267" r:id="rId14"/>
   </p:sldIdLst>
   <p:sldSz cx="12192000" cy="6858000"/>
   <p:notesSz cx="6858000" cy="9144000"/>
@@ -261,7 +263,7 @@
           <a:p>
             <a:fld id="{54831091-0043-4C4C-B0C3-C94A69943827}" type="datetimeFigureOut">
               <a:rPr lang="en-IN" smtClean="0"/>
-              <a:t>18-08-2024</a:t>
+              <a:t>19-08-2024</a:t>
             </a:fld>
             <a:endParaRPr lang="en-IN"/>
           </a:p>
@@ -472,7 +474,7 @@
           <a:p>
             <a:fld id="{54831091-0043-4C4C-B0C3-C94A69943827}" type="datetimeFigureOut">
               <a:rPr lang="en-IN" smtClean="0"/>
-              <a:t>18-08-2024</a:t>
+              <a:t>19-08-2024</a:t>
             </a:fld>
             <a:endParaRPr lang="en-IN"/>
           </a:p>
@@ -687,7 +689,7 @@
           <a:p>
             <a:fld id="{54831091-0043-4C4C-B0C3-C94A69943827}" type="datetimeFigureOut">
               <a:rPr lang="en-IN" smtClean="0"/>
-              <a:t>18-08-2024</a:t>
+              <a:t>19-08-2024</a:t>
             </a:fld>
             <a:endParaRPr lang="en-IN"/>
           </a:p>
@@ -888,7 +890,7 @@
           <a:p>
             <a:fld id="{54831091-0043-4C4C-B0C3-C94A69943827}" type="datetimeFigureOut">
               <a:rPr lang="en-IN" smtClean="0"/>
-              <a:t>18-08-2024</a:t>
+              <a:t>19-08-2024</a:t>
             </a:fld>
             <a:endParaRPr lang="en-IN"/>
           </a:p>
@@ -1167,7 +1169,7 @@
           <a:p>
             <a:fld id="{54831091-0043-4C4C-B0C3-C94A69943827}" type="datetimeFigureOut">
               <a:rPr lang="en-IN" smtClean="0"/>
-              <a:t>18-08-2024</a:t>
+              <a:t>19-08-2024</a:t>
             </a:fld>
             <a:endParaRPr lang="en-IN"/>
           </a:p>
@@ -1435,7 +1437,7 @@
           <a:p>
             <a:fld id="{54831091-0043-4C4C-B0C3-C94A69943827}" type="datetimeFigureOut">
               <a:rPr lang="en-IN" smtClean="0"/>
-              <a:t>18-08-2024</a:t>
+              <a:t>19-08-2024</a:t>
             </a:fld>
             <a:endParaRPr lang="en-IN"/>
           </a:p>
@@ -1851,7 +1853,7 @@
           <a:p>
             <a:fld id="{54831091-0043-4C4C-B0C3-C94A69943827}" type="datetimeFigureOut">
               <a:rPr lang="en-IN" smtClean="0"/>
-              <a:t>18-08-2024</a:t>
+              <a:t>19-08-2024</a:t>
             </a:fld>
             <a:endParaRPr lang="en-IN"/>
           </a:p>
@@ -2000,7 +2002,7 @@
           <a:p>
             <a:fld id="{54831091-0043-4C4C-B0C3-C94A69943827}" type="datetimeFigureOut">
               <a:rPr lang="en-IN" smtClean="0"/>
-              <a:t>18-08-2024</a:t>
+              <a:t>19-08-2024</a:t>
             </a:fld>
             <a:endParaRPr lang="en-IN"/>
           </a:p>
@@ -2126,7 +2128,7 @@
           <a:p>
             <a:fld id="{54831091-0043-4C4C-B0C3-C94A69943827}" type="datetimeFigureOut">
               <a:rPr lang="en-IN" smtClean="0"/>
-              <a:t>18-08-2024</a:t>
+              <a:t>19-08-2024</a:t>
             </a:fld>
             <a:endParaRPr lang="en-IN"/>
           </a:p>
@@ -2377,7 +2379,7 @@
           <a:p>
             <a:fld id="{54831091-0043-4C4C-B0C3-C94A69943827}" type="datetimeFigureOut">
               <a:rPr lang="en-IN" smtClean="0"/>
-              <a:t>18-08-2024</a:t>
+              <a:t>19-08-2024</a:t>
             </a:fld>
             <a:endParaRPr lang="en-IN"/>
           </a:p>
@@ -2822,7 +2824,7 @@
           <a:p>
             <a:fld id="{54831091-0043-4C4C-B0C3-C94A69943827}" type="datetimeFigureOut">
               <a:rPr lang="en-IN" smtClean="0"/>
-              <a:t>18-08-2024</a:t>
+              <a:t>19-08-2024</a:t>
             </a:fld>
             <a:endParaRPr lang="en-IN"/>
           </a:p>
@@ -3149,7 +3151,7 @@
           <a:p>
             <a:fld id="{54831091-0043-4C4C-B0C3-C94A69943827}" type="datetimeFigureOut">
               <a:rPr lang="en-IN" smtClean="0"/>
-              <a:t>18-08-2024</a:t>
+              <a:t>19-08-2024</a:t>
             </a:fld>
             <a:endParaRPr lang="en-IN"/>
           </a:p>
@@ -3740,6 +3742,507 @@
           <p:cNvPr id="2" name="Title 1">
             <a:extLst>
               <a:ext uri="{FF2B5EF4-FFF2-40B4-BE49-F238E27FC236}">
+                <a16:creationId xmlns:a16="http://schemas.microsoft.com/office/drawing/2014/main" id="{2ED4C112-1168-889B-6573-5CDD00B2B29E}"/>
+              </a:ext>
+            </a:extLst>
+          </p:cNvPr>
+          <p:cNvSpPr>
+            <a:spLocks noGrp="1"/>
+          </p:cNvSpPr>
+          <p:nvPr>
+            <p:ph type="title"/>
+          </p:nvPr>
+        </p:nvSpPr>
+        <p:spPr/>
+        <p:txBody>
+          <a:bodyPr/>
+          <a:lstStyle/>
+          <a:p>
+            <a:r>
+              <a:rPr lang="en-IN" b="1" dirty="0">
+                <a:latin typeface="Times New Roman" panose="02020603050405020304" pitchFamily="18" charset="0"/>
+                <a:cs typeface="Times New Roman" panose="02020603050405020304" pitchFamily="18" charset="0"/>
+              </a:rPr>
+              <a:t>Advantages of dial100.com</a:t>
+            </a:r>
+          </a:p>
+        </p:txBody>
+      </p:sp>
+      <p:sp>
+        <p:nvSpPr>
+          <p:cNvPr id="3" name="Content Placeholder 2">
+            <a:extLst>
+              <a:ext uri="{FF2B5EF4-FFF2-40B4-BE49-F238E27FC236}">
+                <a16:creationId xmlns:a16="http://schemas.microsoft.com/office/drawing/2014/main" id="{F158EB38-594B-4DAC-B604-D4D659697845}"/>
+              </a:ext>
+            </a:extLst>
+          </p:cNvPr>
+          <p:cNvSpPr>
+            <a:spLocks noGrp="1"/>
+          </p:cNvSpPr>
+          <p:nvPr>
+            <p:ph idx="1"/>
+          </p:nvPr>
+        </p:nvSpPr>
+        <p:spPr>
+          <a:xfrm>
+            <a:off x="1451579" y="2015732"/>
+            <a:ext cx="9603275" cy="3862554"/>
+          </a:xfrm>
+        </p:spPr>
+        <p:txBody>
+          <a:bodyPr>
+            <a:normAutofit lnSpcReduction="10000"/>
+          </a:bodyPr>
+          <a:lstStyle/>
+          <a:p>
+            <a:pPr>
+              <a:buFont typeface="Wingdings" panose="05000000000000000000" pitchFamily="2" charset="2"/>
+              <a:buChar char="Ø"/>
+            </a:pPr>
+            <a:r>
+              <a:rPr lang="en-IN" sz="2400" b="1" dirty="0">
+                <a:latin typeface="Times New Roman" panose="02020603050405020304" pitchFamily="18" charset="0"/>
+                <a:cs typeface="Times New Roman" panose="02020603050405020304" pitchFamily="18" charset="0"/>
+              </a:rPr>
+              <a:t>Increased Accessibility</a:t>
+            </a:r>
+            <a:r>
+              <a:rPr lang="en-IN" sz="2400" dirty="0">
+                <a:latin typeface="Times New Roman" panose="02020603050405020304" pitchFamily="18" charset="0"/>
+                <a:cs typeface="Times New Roman" panose="02020603050405020304" pitchFamily="18" charset="0"/>
+              </a:rPr>
+              <a:t>: Provides a convenient platform for everyone to access law enforcement services.</a:t>
+            </a:r>
+          </a:p>
+          <a:p>
+            <a:pPr>
+              <a:buFont typeface="Wingdings" panose="05000000000000000000" pitchFamily="2" charset="2"/>
+              <a:buChar char="Ø"/>
+            </a:pPr>
+            <a:r>
+              <a:rPr lang="en-IN" sz="2400" b="1" dirty="0">
+                <a:latin typeface="Times New Roman" panose="02020603050405020304" pitchFamily="18" charset="0"/>
+                <a:cs typeface="Times New Roman" panose="02020603050405020304" pitchFamily="18" charset="0"/>
+              </a:rPr>
+              <a:t>Transparency</a:t>
+            </a:r>
+            <a:r>
+              <a:rPr lang="en-IN" sz="2400" dirty="0">
+                <a:latin typeface="Times New Roman" panose="02020603050405020304" pitchFamily="18" charset="0"/>
+                <a:cs typeface="Times New Roman" panose="02020603050405020304" pitchFamily="18" charset="0"/>
+              </a:rPr>
+              <a:t>: Users can track the status of their reports, ensuring transparency and accountability.</a:t>
+            </a:r>
+          </a:p>
+          <a:p>
+            <a:pPr>
+              <a:buFont typeface="Wingdings" panose="05000000000000000000" pitchFamily="2" charset="2"/>
+              <a:buChar char="Ø"/>
+            </a:pPr>
+            <a:r>
+              <a:rPr lang="en-IN" sz="2400" b="1" dirty="0">
+                <a:latin typeface="Times New Roman" panose="02020603050405020304" pitchFamily="18" charset="0"/>
+                <a:cs typeface="Times New Roman" panose="02020603050405020304" pitchFamily="18" charset="0"/>
+              </a:rPr>
+              <a:t>Cost-Effective: </a:t>
+            </a:r>
+            <a:r>
+              <a:rPr lang="en-IN" sz="2400" dirty="0">
+                <a:latin typeface="Times New Roman" panose="02020603050405020304" pitchFamily="18" charset="0"/>
+                <a:cs typeface="Times New Roman" panose="02020603050405020304" pitchFamily="18" charset="0"/>
+              </a:rPr>
+              <a:t>Reduces the need for physical police presence for minor incidents, saving costs.</a:t>
+            </a:r>
+          </a:p>
+          <a:p>
+            <a:pPr>
+              <a:buFont typeface="Wingdings" panose="05000000000000000000" pitchFamily="2" charset="2"/>
+              <a:buChar char="Ø"/>
+            </a:pPr>
+            <a:r>
+              <a:rPr lang="en-IN" sz="2400" b="1" dirty="0">
+                <a:latin typeface="Times New Roman" panose="02020603050405020304" pitchFamily="18" charset="0"/>
+                <a:cs typeface="Times New Roman" panose="02020603050405020304" pitchFamily="18" charset="0"/>
+              </a:rPr>
+              <a:t>Community Engagement: </a:t>
+            </a:r>
+            <a:r>
+              <a:rPr lang="en-IN" sz="2400" dirty="0">
+                <a:latin typeface="Times New Roman" panose="02020603050405020304" pitchFamily="18" charset="0"/>
+                <a:cs typeface="Times New Roman" panose="02020603050405020304" pitchFamily="18" charset="0"/>
+              </a:rPr>
+              <a:t>Strengthens community-police relations by providing a direct and open communication channel.</a:t>
+            </a:r>
+          </a:p>
+        </p:txBody>
+      </p:sp>
+    </p:spTree>
+    <p:extLst>
+      <p:ext uri="{BB962C8B-B14F-4D97-AF65-F5344CB8AC3E}">
+        <p14:creationId xmlns:p14="http://schemas.microsoft.com/office/powerpoint/2010/main" val="1159689401"/>
+      </p:ext>
+    </p:extLst>
+  </p:cSld>
+  <p:clrMapOvr>
+    <a:masterClrMapping/>
+  </p:clrMapOvr>
+</p:sld>
+</file>
+
+<file path=ppt/slides/slide11.xml><?xml version="1.0" encoding="utf-8"?>
+<p:sld xmlns:a="http://schemas.openxmlformats.org/drawingml/2006/main" xmlns:r="http://schemas.openxmlformats.org/officeDocument/2006/relationships" xmlns:p="http://schemas.openxmlformats.org/presentationml/2006/main">
+  <p:cSld>
+    <p:spTree>
+      <p:nvGrpSpPr>
+        <p:cNvPr id="1" name=""/>
+        <p:cNvGrpSpPr/>
+        <p:nvPr/>
+      </p:nvGrpSpPr>
+      <p:grpSpPr>
+        <a:xfrm>
+          <a:off x="0" y="0"/>
+          <a:ext cx="0" cy="0"/>
+          <a:chOff x="0" y="0"/>
+          <a:chExt cx="0" cy="0"/>
+        </a:xfrm>
+      </p:grpSpPr>
+      <p:sp>
+        <p:nvSpPr>
+          <p:cNvPr id="2" name="Title 1">
+            <a:extLst>
+              <a:ext uri="{FF2B5EF4-FFF2-40B4-BE49-F238E27FC236}">
+                <a16:creationId xmlns:a16="http://schemas.microsoft.com/office/drawing/2014/main" id="{81F6791E-84E0-BBA3-11E8-13042BF192B9}"/>
+              </a:ext>
+            </a:extLst>
+          </p:cNvPr>
+          <p:cNvSpPr>
+            <a:spLocks noGrp="1"/>
+          </p:cNvSpPr>
+          <p:nvPr>
+            <p:ph type="title"/>
+          </p:nvPr>
+        </p:nvSpPr>
+        <p:spPr/>
+        <p:txBody>
+          <a:bodyPr/>
+          <a:lstStyle/>
+          <a:p>
+            <a:r>
+              <a:rPr lang="en-IN" b="1" dirty="0">
+                <a:latin typeface="Times New Roman" panose="02020603050405020304" pitchFamily="18" charset="0"/>
+                <a:cs typeface="Times New Roman" panose="02020603050405020304" pitchFamily="18" charset="0"/>
+              </a:rPr>
+              <a:t>Disadvantages </a:t>
+            </a:r>
+            <a:r>
+              <a:rPr lang="en-IN" b="1" dirty="0" err="1" smtClean="0">
+                <a:latin typeface="Times New Roman" panose="02020603050405020304" pitchFamily="18" charset="0"/>
+                <a:cs typeface="Times New Roman" panose="02020603050405020304" pitchFamily="18" charset="0"/>
+              </a:rPr>
+              <a:t>oF</a:t>
+            </a:r>
+            <a:r>
+              <a:rPr lang="en-IN" b="1" dirty="0" smtClean="0">
+                <a:latin typeface="Times New Roman" panose="02020603050405020304" pitchFamily="18" charset="0"/>
+                <a:cs typeface="Times New Roman" panose="02020603050405020304" pitchFamily="18" charset="0"/>
+              </a:rPr>
+              <a:t> </a:t>
+            </a:r>
+            <a:r>
+              <a:rPr lang="en-IN" b="1" dirty="0">
+                <a:latin typeface="Times New Roman" panose="02020603050405020304" pitchFamily="18" charset="0"/>
+                <a:cs typeface="Times New Roman" panose="02020603050405020304" pitchFamily="18" charset="0"/>
+              </a:rPr>
+              <a:t>dial100.com</a:t>
+            </a:r>
+          </a:p>
+        </p:txBody>
+      </p:sp>
+      <p:sp>
+        <p:nvSpPr>
+          <p:cNvPr id="4" name="Rectangle 1">
+            <a:extLst>
+              <a:ext uri="{FF2B5EF4-FFF2-40B4-BE49-F238E27FC236}">
+                <a16:creationId xmlns:a16="http://schemas.microsoft.com/office/drawing/2014/main" id="{D7B52491-E4CD-3386-8092-9F295C4493AE}"/>
+              </a:ext>
+            </a:extLst>
+          </p:cNvPr>
+          <p:cNvSpPr>
+            <a:spLocks noGrp="1" noChangeArrowheads="1"/>
+          </p:cNvSpPr>
+          <p:nvPr>
+            <p:ph idx="1"/>
+          </p:nvPr>
+        </p:nvSpPr>
+        <p:spPr bwMode="auto">
+          <a:xfrm>
+            <a:off x="1451579" y="1976683"/>
+            <a:ext cx="8884406" cy="3046988"/>
+          </a:xfrm>
+          <a:prstGeom prst="rect">
+            <a:avLst/>
+          </a:prstGeom>
+          <a:noFill/>
+          <a:ln>
+            <a:noFill/>
+          </a:ln>
+          <a:effectLst/>
+          <a:extLst>
+            <a:ext uri="{909E8E84-426E-40DD-AFC4-6F175D3DCCD1}">
+              <a14:hiddenFill xmlns:a14="http://schemas.microsoft.com/office/drawing/2010/main">
+                <a:solidFill>
+                  <a:schemeClr val="accent1"/>
+                </a:solidFill>
+              </a14:hiddenFill>
+            </a:ext>
+            <a:ext uri="{91240B29-F687-4F45-9708-019B960494DF}">
+              <a14:hiddenLine xmlns:a14="http://schemas.microsoft.com/office/drawing/2010/main" w="9525">
+                <a:solidFill>
+                  <a:schemeClr val="tx1"/>
+                </a:solidFill>
+                <a:miter lim="800000"/>
+                <a:headEnd/>
+                <a:tailEnd/>
+              </a14:hiddenLine>
+            </a:ext>
+            <a:ext uri="{AF507438-7753-43E0-B8FC-AC1667EBCBE1}">
+              <a14:hiddenEffects xmlns:a14="http://schemas.microsoft.com/office/drawing/2010/main">
+                <a:effectLst>
+                  <a:outerShdw dist="35921" dir="2700000" algn="ctr" rotWithShape="0">
+                    <a:schemeClr val="bg2"/>
+                  </a:outerShdw>
+                </a:effectLst>
+              </a14:hiddenEffects>
+            </a:ext>
+          </a:extLst>
+        </p:spPr>
+        <p:txBody>
+          <a:bodyPr vert="horz" wrap="square" lIns="91440" tIns="45720" rIns="91440" bIns="45720" numCol="1" anchor="ctr" anchorCtr="0" compatLnSpc="1">
+            <a:prstTxWarp prst="textNoShape">
+              <a:avLst/>
+            </a:prstTxWarp>
+            <a:spAutoFit/>
+          </a:bodyPr>
+          <a:lstStyle/>
+          <a:p>
+            <a:pPr marR="0" lvl="0" algn="l" defTabSz="914400" rtl="0" eaLnBrk="0" fontAlgn="base" latinLnBrk="0" hangingPunct="0">
+              <a:lnSpc>
+                <a:spcPct val="100000"/>
+              </a:lnSpc>
+              <a:spcBef>
+                <a:spcPct val="0"/>
+              </a:spcBef>
+              <a:spcAft>
+                <a:spcPct val="0"/>
+              </a:spcAft>
+              <a:buClrTx/>
+              <a:buSzTx/>
+              <a:buFont typeface="Wingdings" panose="05000000000000000000" pitchFamily="2" charset="2"/>
+              <a:buChar char="Ø"/>
+              <a:tabLst/>
+            </a:pPr>
+            <a:r>
+              <a:rPr kumimoji="0" lang="en-US" altLang="en-US" sz="2400" b="1" i="0" u="none" strike="noStrike" cap="none" normalizeH="0" baseline="0" dirty="0">
+                <a:ln>
+                  <a:noFill/>
+                </a:ln>
+                <a:solidFill>
+                  <a:schemeClr val="tx1"/>
+                </a:solidFill>
+                <a:effectLst/>
+                <a:latin typeface="Times New Roman" panose="02020603050405020304" pitchFamily="18" charset="0"/>
+                <a:cs typeface="Times New Roman" panose="02020603050405020304" pitchFamily="18" charset="0"/>
+              </a:rPr>
+              <a:t>Digital Divide</a:t>
+            </a:r>
+            <a:r>
+              <a:rPr kumimoji="0" lang="en-US" altLang="en-US" sz="2400" b="0" i="0" u="none" strike="noStrike" cap="none" normalizeH="0" baseline="0" dirty="0">
+                <a:ln>
+                  <a:noFill/>
+                </a:ln>
+                <a:solidFill>
+                  <a:schemeClr val="tx1"/>
+                </a:solidFill>
+                <a:effectLst/>
+                <a:latin typeface="Times New Roman" panose="02020603050405020304" pitchFamily="18" charset="0"/>
+                <a:cs typeface="Times New Roman" panose="02020603050405020304" pitchFamily="18" charset="0"/>
+              </a:rPr>
+              <a:t>: Limited access for people without internet or tech-savvy skills.</a:t>
+            </a:r>
+          </a:p>
+          <a:p>
+            <a:pPr marR="0" lvl="0" algn="l" defTabSz="914400" rtl="0" eaLnBrk="0" fontAlgn="base" latinLnBrk="0" hangingPunct="0">
+              <a:lnSpc>
+                <a:spcPct val="100000"/>
+              </a:lnSpc>
+              <a:spcBef>
+                <a:spcPct val="0"/>
+              </a:spcBef>
+              <a:spcAft>
+                <a:spcPct val="0"/>
+              </a:spcAft>
+              <a:buClrTx/>
+              <a:buSzTx/>
+              <a:buFont typeface="Wingdings" panose="05000000000000000000" pitchFamily="2" charset="2"/>
+              <a:buChar char="Ø"/>
+              <a:tabLst/>
+            </a:pPr>
+            <a:r>
+              <a:rPr kumimoji="0" lang="en-US" altLang="en-US" sz="2400" b="1" i="0" u="none" strike="noStrike" cap="none" normalizeH="0" baseline="0" dirty="0">
+                <a:ln>
+                  <a:noFill/>
+                </a:ln>
+                <a:solidFill>
+                  <a:schemeClr val="tx1"/>
+                </a:solidFill>
+                <a:effectLst/>
+                <a:latin typeface="Times New Roman" panose="02020603050405020304" pitchFamily="18" charset="0"/>
+                <a:cs typeface="Times New Roman" panose="02020603050405020304" pitchFamily="18" charset="0"/>
+              </a:rPr>
+              <a:t>False Reports</a:t>
+            </a:r>
+            <a:r>
+              <a:rPr kumimoji="0" lang="en-US" altLang="en-US" sz="2400" b="0" i="0" u="none" strike="noStrike" cap="none" normalizeH="0" baseline="0" dirty="0">
+                <a:ln>
+                  <a:noFill/>
+                </a:ln>
+                <a:solidFill>
+                  <a:schemeClr val="tx1"/>
+                </a:solidFill>
+                <a:effectLst/>
+                <a:latin typeface="Times New Roman" panose="02020603050405020304" pitchFamily="18" charset="0"/>
+                <a:cs typeface="Times New Roman" panose="02020603050405020304" pitchFamily="18" charset="0"/>
+              </a:rPr>
+              <a:t>: Risk of receiving fake or misleading crime reports.</a:t>
+            </a:r>
+          </a:p>
+          <a:p>
+            <a:pPr marR="0" lvl="0" algn="l" defTabSz="914400" rtl="0" eaLnBrk="0" fontAlgn="base" latinLnBrk="0" hangingPunct="0">
+              <a:lnSpc>
+                <a:spcPct val="100000"/>
+              </a:lnSpc>
+              <a:spcBef>
+                <a:spcPct val="0"/>
+              </a:spcBef>
+              <a:spcAft>
+                <a:spcPct val="0"/>
+              </a:spcAft>
+              <a:buClrTx/>
+              <a:buSzTx/>
+              <a:buFont typeface="Wingdings" panose="05000000000000000000" pitchFamily="2" charset="2"/>
+              <a:buChar char="Ø"/>
+              <a:tabLst/>
+            </a:pPr>
+            <a:r>
+              <a:rPr kumimoji="0" lang="en-US" altLang="en-US" sz="2400" b="1" i="0" u="none" strike="noStrike" cap="none" normalizeH="0" baseline="0" dirty="0">
+                <a:ln>
+                  <a:noFill/>
+                </a:ln>
+                <a:solidFill>
+                  <a:schemeClr val="tx1"/>
+                </a:solidFill>
+                <a:effectLst/>
+                <a:latin typeface="Times New Roman" panose="02020603050405020304" pitchFamily="18" charset="0"/>
+                <a:cs typeface="Times New Roman" panose="02020603050405020304" pitchFamily="18" charset="0"/>
+              </a:rPr>
+              <a:t>Data Privacy Concerns</a:t>
+            </a:r>
+            <a:r>
+              <a:rPr kumimoji="0" lang="en-US" altLang="en-US" sz="2400" b="0" i="0" u="none" strike="noStrike" cap="none" normalizeH="0" baseline="0" dirty="0">
+                <a:ln>
+                  <a:noFill/>
+                </a:ln>
+                <a:solidFill>
+                  <a:schemeClr val="tx1"/>
+                </a:solidFill>
+                <a:effectLst/>
+                <a:latin typeface="Times New Roman" panose="02020603050405020304" pitchFamily="18" charset="0"/>
+                <a:cs typeface="Times New Roman" panose="02020603050405020304" pitchFamily="18" charset="0"/>
+              </a:rPr>
+              <a:t>: Potential risks related to the handling and security of sensitive user information. </a:t>
+            </a:r>
+          </a:p>
+          <a:p>
+            <a:pPr marR="0" lvl="0" algn="l" defTabSz="914400" rtl="0" eaLnBrk="0" fontAlgn="base" latinLnBrk="0" hangingPunct="0">
+              <a:lnSpc>
+                <a:spcPct val="100000"/>
+              </a:lnSpc>
+              <a:spcBef>
+                <a:spcPct val="0"/>
+              </a:spcBef>
+              <a:spcAft>
+                <a:spcPct val="0"/>
+              </a:spcAft>
+              <a:buClrTx/>
+              <a:buSzTx/>
+              <a:buFont typeface="Wingdings" panose="05000000000000000000" pitchFamily="2" charset="2"/>
+              <a:buChar char="Ø"/>
+              <a:tabLst/>
+            </a:pPr>
+            <a:r>
+              <a:rPr lang="en-IN" sz="2400" b="1" dirty="0">
+                <a:latin typeface="Times New Roman" panose="02020603050405020304" pitchFamily="18" charset="0"/>
+                <a:cs typeface="Times New Roman" panose="02020603050405020304" pitchFamily="18" charset="0"/>
+              </a:rPr>
+              <a:t>Limited Physical Presence</a:t>
+            </a:r>
+            <a:r>
+              <a:rPr lang="en-IN" sz="2400" dirty="0">
+                <a:latin typeface="Times New Roman" panose="02020603050405020304" pitchFamily="18" charset="0"/>
+                <a:cs typeface="Times New Roman" panose="02020603050405020304" pitchFamily="18" charset="0"/>
+              </a:rPr>
+              <a:t>: Reduced face-to-face interaction with law enforcement might affect the thoroughness of some investigations.</a:t>
+            </a:r>
+            <a:endParaRPr kumimoji="0" lang="en-US" altLang="en-US" sz="2800" b="0" i="0" u="none" strike="noStrike" cap="none" normalizeH="0" baseline="0" dirty="0">
+              <a:ln>
+                <a:noFill/>
+              </a:ln>
+              <a:solidFill>
+                <a:schemeClr val="tx1"/>
+              </a:solidFill>
+              <a:effectLst/>
+              <a:latin typeface="Times New Roman" panose="02020603050405020304" pitchFamily="18" charset="0"/>
+              <a:cs typeface="Times New Roman" panose="02020603050405020304" pitchFamily="18" charset="0"/>
+            </a:endParaRPr>
+          </a:p>
+        </p:txBody>
+      </p:sp>
+    </p:spTree>
+    <p:extLst>
+      <p:ext uri="{BB962C8B-B14F-4D97-AF65-F5344CB8AC3E}">
+        <p14:creationId xmlns:p14="http://schemas.microsoft.com/office/powerpoint/2010/main" val="1998000935"/>
+      </p:ext>
+    </p:extLst>
+  </p:cSld>
+  <p:clrMapOvr>
+    <a:masterClrMapping/>
+  </p:clrMapOvr>
+</p:sld>
+</file>
+
+<file path=ppt/slides/slide12.xml><?xml version="1.0" encoding="utf-8"?>
+<p:sld xmlns:a="http://schemas.openxmlformats.org/drawingml/2006/main" xmlns:r="http://schemas.openxmlformats.org/officeDocument/2006/relationships" xmlns:p="http://schemas.openxmlformats.org/presentationml/2006/main">
+  <p:cSld>
+    <p:spTree>
+      <p:nvGrpSpPr>
+        <p:cNvPr id="1" name=""/>
+        <p:cNvGrpSpPr/>
+        <p:nvPr/>
+      </p:nvGrpSpPr>
+      <p:grpSpPr>
+        <a:xfrm>
+          <a:off x="0" y="0"/>
+          <a:ext cx="0" cy="0"/>
+          <a:chOff x="0" y="0"/>
+          <a:chExt cx="0" cy="0"/>
+        </a:xfrm>
+      </p:grpSpPr>
+      <p:sp>
+        <p:nvSpPr>
+          <p:cNvPr id="2" name="Title 1">
+            <a:extLst>
+              <a:ext uri="{FF2B5EF4-FFF2-40B4-BE49-F238E27FC236}">
                 <a16:creationId xmlns:a16="http://schemas.microsoft.com/office/drawing/2014/main" id="{60C369A3-322D-A17B-A2DC-D44E68A5C07A}"/>
               </a:ext>
             </a:extLst>
@@ -3816,7 +4319,7 @@
 </p:sld>
 </file>
 
-<file path=ppt/slides/slide11.xml><?xml version="1.0" encoding="utf-8"?>
+<file path=ppt/slides/slide13.xml><?xml version="1.0" encoding="utf-8"?>
 <p:sld xmlns:a="http://schemas.openxmlformats.org/drawingml/2006/main" xmlns:r="http://schemas.openxmlformats.org/officeDocument/2006/relationships" xmlns:p="http://schemas.openxmlformats.org/presentationml/2006/main">
   <p:cSld>
     <p:spTree>
@@ -5327,6 +5830,337 @@
       </p:grpSpPr>
       <p:sp>
         <p:nvSpPr>
+          <p:cNvPr id="2" name="Title 1"/>
+          <p:cNvSpPr>
+            <a:spLocks noGrp="1"/>
+          </p:cNvSpPr>
+          <p:nvPr>
+            <p:ph type="title"/>
+          </p:nvPr>
+        </p:nvSpPr>
+        <p:spPr/>
+        <p:txBody>
+          <a:bodyPr/>
+          <a:lstStyle/>
+          <a:p>
+            <a:r>
+              <a:rPr lang="en-US" b="1" dirty="0" smtClean="0">
+                <a:latin typeface="Times New Roman" panose="02020603050405020304" pitchFamily="18" charset="0"/>
+                <a:cs typeface="Times New Roman" panose="02020603050405020304" pitchFamily="18" charset="0"/>
+              </a:rPr>
+              <a:t>Home Page:</a:t>
+            </a:r>
+            <a:endParaRPr lang="en-IN" b="1" dirty="0">
+              <a:latin typeface="Times New Roman" panose="02020603050405020304" pitchFamily="18" charset="0"/>
+              <a:cs typeface="Times New Roman" panose="02020603050405020304" pitchFamily="18" charset="0"/>
+            </a:endParaRPr>
+          </a:p>
+        </p:txBody>
+      </p:sp>
+      <p:sp>
+        <p:nvSpPr>
+          <p:cNvPr id="3" name="Content Placeholder 2"/>
+          <p:cNvSpPr>
+            <a:spLocks noGrp="1"/>
+          </p:cNvSpPr>
+          <p:nvPr>
+            <p:ph idx="1"/>
+          </p:nvPr>
+        </p:nvSpPr>
+        <p:spPr>
+          <a:xfrm>
+            <a:off x="1451579" y="2089623"/>
+            <a:ext cx="9603275" cy="3450613"/>
+          </a:xfrm>
+        </p:spPr>
+        <p:txBody>
+          <a:bodyPr/>
+          <a:lstStyle/>
+          <a:p>
+            <a:pPr marL="0" indent="0">
+              <a:buNone/>
+            </a:pPr>
+            <a:endParaRPr lang="en-IN" dirty="0"/>
+          </a:p>
+        </p:txBody>
+      </p:sp>
+      <p:pic>
+        <p:nvPicPr>
+          <p:cNvPr id="1026" name="Picture 1"/>
+          <p:cNvPicPr>
+            <a:picLocks noChangeAspect="1" noChangeArrowheads="1"/>
+          </p:cNvPicPr>
+          <p:nvPr/>
+        </p:nvPicPr>
+        <p:blipFill>
+          <a:blip r:embed="rId2">
+            <a:extLst>
+              <a:ext uri="{28A0092B-C50C-407E-A947-70E740481C1C}">
+                <a14:useLocalDpi xmlns:a14="http://schemas.microsoft.com/office/drawing/2010/main" val="0"/>
+              </a:ext>
+            </a:extLst>
+          </a:blip>
+          <a:srcRect/>
+          <a:stretch>
+            <a:fillRect/>
+          </a:stretch>
+        </p:blipFill>
+        <p:spPr bwMode="auto">
+          <a:xfrm>
+            <a:off x="2370858" y="2089623"/>
+            <a:ext cx="7336559" cy="3564338"/>
+          </a:xfrm>
+          <a:prstGeom prst="rect">
+            <a:avLst/>
+          </a:prstGeom>
+          <a:noFill/>
+          <a:ln>
+            <a:noFill/>
+          </a:ln>
+          <a:extLst>
+            <a:ext uri="{909E8E84-426E-40DD-AFC4-6F175D3DCCD1}">
+              <a14:hiddenFill xmlns:a14="http://schemas.microsoft.com/office/drawing/2010/main">
+                <a:solidFill>
+                  <a:srgbClr val="FFFFFF"/>
+                </a:solidFill>
+              </a14:hiddenFill>
+            </a:ext>
+            <a:ext uri="{91240B29-F687-4F45-9708-019B960494DF}">
+              <a14:hiddenLine xmlns:a14="http://schemas.microsoft.com/office/drawing/2010/main" w="9525">
+                <a:solidFill>
+                  <a:srgbClr val="000000"/>
+                </a:solidFill>
+                <a:miter lim="800000"/>
+                <a:headEnd/>
+                <a:tailEnd/>
+              </a14:hiddenLine>
+            </a:ext>
+          </a:extLst>
+        </p:spPr>
+      </p:pic>
+    </p:spTree>
+    <p:extLst>
+      <p:ext uri="{BB962C8B-B14F-4D97-AF65-F5344CB8AC3E}">
+        <p14:creationId xmlns:p14="http://schemas.microsoft.com/office/powerpoint/2010/main" val="900723875"/>
+      </p:ext>
+    </p:extLst>
+  </p:cSld>
+  <p:clrMapOvr>
+    <a:masterClrMapping/>
+  </p:clrMapOvr>
+</p:sld>
+</file>
+
+<file path=ppt/slides/slide8.xml><?xml version="1.0" encoding="utf-8"?>
+<p:sld xmlns:a="http://schemas.openxmlformats.org/drawingml/2006/main" xmlns:r="http://schemas.openxmlformats.org/officeDocument/2006/relationships" xmlns:p="http://schemas.openxmlformats.org/presentationml/2006/main">
+  <p:cSld>
+    <p:spTree>
+      <p:nvGrpSpPr>
+        <p:cNvPr id="1" name=""/>
+        <p:cNvGrpSpPr/>
+        <p:nvPr/>
+      </p:nvGrpSpPr>
+      <p:grpSpPr>
+        <a:xfrm>
+          <a:off x="0" y="0"/>
+          <a:ext cx="0" cy="0"/>
+          <a:chOff x="0" y="0"/>
+          <a:chExt cx="0" cy="0"/>
+        </a:xfrm>
+      </p:grpSpPr>
+      <p:sp>
+        <p:nvSpPr>
+          <p:cNvPr id="2" name="Title 1"/>
+          <p:cNvSpPr>
+            <a:spLocks noGrp="1"/>
+          </p:cNvSpPr>
+          <p:nvPr>
+            <p:ph type="title"/>
+          </p:nvPr>
+        </p:nvSpPr>
+        <p:spPr/>
+        <p:txBody>
+          <a:bodyPr/>
+          <a:lstStyle/>
+          <a:p>
+            <a:r>
+              <a:rPr lang="en-US" b="1" dirty="0" smtClean="0">
+                <a:latin typeface="Times New Roman" panose="02020603050405020304" pitchFamily="18" charset="0"/>
+                <a:cs typeface="Times New Roman" panose="02020603050405020304" pitchFamily="18" charset="0"/>
+              </a:rPr>
+              <a:t>Register and Login Page:</a:t>
+            </a:r>
+            <a:endParaRPr lang="en-IN" b="1" dirty="0">
+              <a:latin typeface="Times New Roman" panose="02020603050405020304" pitchFamily="18" charset="0"/>
+              <a:cs typeface="Times New Roman" panose="02020603050405020304" pitchFamily="18" charset="0"/>
+            </a:endParaRPr>
+          </a:p>
+        </p:txBody>
+      </p:sp>
+      <p:sp>
+        <p:nvSpPr>
+          <p:cNvPr id="3" name="Content Placeholder 2"/>
+          <p:cNvSpPr>
+            <a:spLocks noGrp="1"/>
+          </p:cNvSpPr>
+          <p:nvPr>
+            <p:ph idx="1"/>
+          </p:nvPr>
+        </p:nvSpPr>
+        <p:spPr>
+          <a:xfrm>
+            <a:off x="1045179" y="2135804"/>
+            <a:ext cx="9603275" cy="3450613"/>
+          </a:xfrm>
+        </p:spPr>
+        <p:txBody>
+          <a:bodyPr/>
+          <a:lstStyle/>
+          <a:p>
+            <a:endParaRPr lang="en-IN" dirty="0"/>
+          </a:p>
+        </p:txBody>
+      </p:sp>
+      <p:pic>
+        <p:nvPicPr>
+          <p:cNvPr id="2050" name="Picture 1"/>
+          <p:cNvPicPr>
+            <a:picLocks noChangeAspect="1" noChangeArrowheads="1"/>
+          </p:cNvPicPr>
+          <p:nvPr/>
+        </p:nvPicPr>
+        <p:blipFill>
+          <a:blip r:embed="rId2" cstate="hqprint">
+            <a:extLst>
+              <a:ext uri="{28A0092B-C50C-407E-A947-70E740481C1C}">
+                <a14:useLocalDpi xmlns:a14="http://schemas.microsoft.com/office/drawing/2010/main" val="0"/>
+              </a:ext>
+            </a:extLst>
+          </a:blip>
+          <a:srcRect/>
+          <a:stretch>
+            <a:fillRect/>
+          </a:stretch>
+        </p:blipFill>
+        <p:spPr bwMode="auto">
+          <a:xfrm>
+            <a:off x="817563" y="2607829"/>
+            <a:ext cx="4890379" cy="2370571"/>
+          </a:xfrm>
+          <a:prstGeom prst="rect">
+            <a:avLst/>
+          </a:prstGeom>
+          <a:noFill/>
+          <a:ln>
+            <a:noFill/>
+          </a:ln>
+          <a:extLst>
+            <a:ext uri="{909E8E84-426E-40DD-AFC4-6F175D3DCCD1}">
+              <a14:hiddenFill xmlns:a14="http://schemas.microsoft.com/office/drawing/2010/main">
+                <a:solidFill>
+                  <a:srgbClr val="FFFFFF"/>
+                </a:solidFill>
+              </a14:hiddenFill>
+            </a:ext>
+            <a:ext uri="{91240B29-F687-4F45-9708-019B960494DF}">
+              <a14:hiddenLine xmlns:a14="http://schemas.microsoft.com/office/drawing/2010/main" w="9525">
+                <a:solidFill>
+                  <a:srgbClr val="000000"/>
+                </a:solidFill>
+                <a:miter lim="800000"/>
+                <a:headEnd/>
+                <a:tailEnd/>
+              </a14:hiddenLine>
+            </a:ext>
+          </a:extLst>
+        </p:spPr>
+      </p:pic>
+      <p:pic>
+        <p:nvPicPr>
+          <p:cNvPr id="2051" name="Picture 1"/>
+          <p:cNvPicPr>
+            <a:picLocks noChangeAspect="1" noChangeArrowheads="1"/>
+          </p:cNvPicPr>
+          <p:nvPr/>
+        </p:nvPicPr>
+        <p:blipFill>
+          <a:blip r:embed="rId3" cstate="hqprint">
+            <a:extLst>
+              <a:ext uri="{28A0092B-C50C-407E-A947-70E740481C1C}">
+                <a14:useLocalDpi xmlns:a14="http://schemas.microsoft.com/office/drawing/2010/main" val="0"/>
+              </a:ext>
+            </a:extLst>
+          </a:blip>
+          <a:srcRect/>
+          <a:stretch>
+            <a:fillRect/>
+          </a:stretch>
+        </p:blipFill>
+        <p:spPr bwMode="auto">
+          <a:xfrm>
+            <a:off x="6576073" y="2607829"/>
+            <a:ext cx="4875484" cy="2370571"/>
+          </a:xfrm>
+          <a:prstGeom prst="rect">
+            <a:avLst/>
+          </a:prstGeom>
+          <a:noFill/>
+          <a:ln>
+            <a:noFill/>
+          </a:ln>
+          <a:extLst>
+            <a:ext uri="{909E8E84-426E-40DD-AFC4-6F175D3DCCD1}">
+              <a14:hiddenFill xmlns:a14="http://schemas.microsoft.com/office/drawing/2010/main">
+                <a:solidFill>
+                  <a:srgbClr val="FFFFFF"/>
+                </a:solidFill>
+              </a14:hiddenFill>
+            </a:ext>
+            <a:ext uri="{91240B29-F687-4F45-9708-019B960494DF}">
+              <a14:hiddenLine xmlns:a14="http://schemas.microsoft.com/office/drawing/2010/main" w="9525">
+                <a:solidFill>
+                  <a:srgbClr val="000000"/>
+                </a:solidFill>
+                <a:miter lim="800000"/>
+                <a:headEnd/>
+                <a:tailEnd/>
+              </a14:hiddenLine>
+            </a:ext>
+          </a:extLst>
+        </p:spPr>
+      </p:pic>
+    </p:spTree>
+    <p:extLst>
+      <p:ext uri="{BB962C8B-B14F-4D97-AF65-F5344CB8AC3E}">
+        <p14:creationId xmlns:p14="http://schemas.microsoft.com/office/powerpoint/2010/main" val="1855386859"/>
+      </p:ext>
+    </p:extLst>
+  </p:cSld>
+  <p:clrMapOvr>
+    <a:masterClrMapping/>
+  </p:clrMapOvr>
+</p:sld>
+</file>
+
+<file path=ppt/slides/slide9.xml><?xml version="1.0" encoding="utf-8"?>
+<p:sld xmlns:a="http://schemas.openxmlformats.org/drawingml/2006/main" xmlns:r="http://schemas.openxmlformats.org/officeDocument/2006/relationships" xmlns:p="http://schemas.openxmlformats.org/presentationml/2006/main">
+  <p:cSld>
+    <p:spTree>
+      <p:nvGrpSpPr>
+        <p:cNvPr id="1" name=""/>
+        <p:cNvGrpSpPr/>
+        <p:nvPr/>
+      </p:nvGrpSpPr>
+      <p:grpSpPr>
+        <a:xfrm>
+          <a:off x="0" y="0"/>
+          <a:ext cx="0" cy="0"/>
+          <a:chOff x="0" y="0"/>
+          <a:chExt cx="0" cy="0"/>
+        </a:xfrm>
+      </p:grpSpPr>
+      <p:sp>
+        <p:nvSpPr>
           <p:cNvPr id="2" name="Title 1">
             <a:extLst>
               <a:ext uri="{FF2B5EF4-FFF2-40B4-BE49-F238E27FC236}">
@@ -5655,507 +6489,6 @@
     <p:extLst>
       <p:ext uri="{BB962C8B-B14F-4D97-AF65-F5344CB8AC3E}">
         <p14:creationId xmlns:p14="http://schemas.microsoft.com/office/powerpoint/2010/main" val="2060541437"/>
-      </p:ext>
-    </p:extLst>
-  </p:cSld>
-  <p:clrMapOvr>
-    <a:masterClrMapping/>
-  </p:clrMapOvr>
-</p:sld>
-</file>
-
-<file path=ppt/slides/slide8.xml><?xml version="1.0" encoding="utf-8"?>
-<p:sld xmlns:a="http://schemas.openxmlformats.org/drawingml/2006/main" xmlns:r="http://schemas.openxmlformats.org/officeDocument/2006/relationships" xmlns:p="http://schemas.openxmlformats.org/presentationml/2006/main">
-  <p:cSld>
-    <p:spTree>
-      <p:nvGrpSpPr>
-        <p:cNvPr id="1" name=""/>
-        <p:cNvGrpSpPr/>
-        <p:nvPr/>
-      </p:nvGrpSpPr>
-      <p:grpSpPr>
-        <a:xfrm>
-          <a:off x="0" y="0"/>
-          <a:ext cx="0" cy="0"/>
-          <a:chOff x="0" y="0"/>
-          <a:chExt cx="0" cy="0"/>
-        </a:xfrm>
-      </p:grpSpPr>
-      <p:sp>
-        <p:nvSpPr>
-          <p:cNvPr id="2" name="Title 1">
-            <a:extLst>
-              <a:ext uri="{FF2B5EF4-FFF2-40B4-BE49-F238E27FC236}">
-                <a16:creationId xmlns:a16="http://schemas.microsoft.com/office/drawing/2014/main" id="{2ED4C112-1168-889B-6573-5CDD00B2B29E}"/>
-              </a:ext>
-            </a:extLst>
-          </p:cNvPr>
-          <p:cNvSpPr>
-            <a:spLocks noGrp="1"/>
-          </p:cNvSpPr>
-          <p:nvPr>
-            <p:ph type="title"/>
-          </p:nvPr>
-        </p:nvSpPr>
-        <p:spPr/>
-        <p:txBody>
-          <a:bodyPr/>
-          <a:lstStyle/>
-          <a:p>
-            <a:r>
-              <a:rPr lang="en-IN" b="1" dirty="0">
-                <a:latin typeface="Times New Roman" panose="02020603050405020304" pitchFamily="18" charset="0"/>
-                <a:cs typeface="Times New Roman" panose="02020603050405020304" pitchFamily="18" charset="0"/>
-              </a:rPr>
-              <a:t>Advantages of dial100.com</a:t>
-            </a:r>
-          </a:p>
-        </p:txBody>
-      </p:sp>
-      <p:sp>
-        <p:nvSpPr>
-          <p:cNvPr id="3" name="Content Placeholder 2">
-            <a:extLst>
-              <a:ext uri="{FF2B5EF4-FFF2-40B4-BE49-F238E27FC236}">
-                <a16:creationId xmlns:a16="http://schemas.microsoft.com/office/drawing/2014/main" id="{F158EB38-594B-4DAC-B604-D4D659697845}"/>
-              </a:ext>
-            </a:extLst>
-          </p:cNvPr>
-          <p:cNvSpPr>
-            <a:spLocks noGrp="1"/>
-          </p:cNvSpPr>
-          <p:nvPr>
-            <p:ph idx="1"/>
-          </p:nvPr>
-        </p:nvSpPr>
-        <p:spPr>
-          <a:xfrm>
-            <a:off x="1451579" y="2015732"/>
-            <a:ext cx="9603275" cy="3862554"/>
-          </a:xfrm>
-        </p:spPr>
-        <p:txBody>
-          <a:bodyPr>
-            <a:normAutofit lnSpcReduction="10000"/>
-          </a:bodyPr>
-          <a:lstStyle/>
-          <a:p>
-            <a:pPr>
-              <a:buFont typeface="Wingdings" panose="05000000000000000000" pitchFamily="2" charset="2"/>
-              <a:buChar char="Ø"/>
-            </a:pPr>
-            <a:r>
-              <a:rPr lang="en-IN" sz="2400" b="1" dirty="0">
-                <a:latin typeface="Times New Roman" panose="02020603050405020304" pitchFamily="18" charset="0"/>
-                <a:cs typeface="Times New Roman" panose="02020603050405020304" pitchFamily="18" charset="0"/>
-              </a:rPr>
-              <a:t>Increased Accessibility</a:t>
-            </a:r>
-            <a:r>
-              <a:rPr lang="en-IN" sz="2400" dirty="0">
-                <a:latin typeface="Times New Roman" panose="02020603050405020304" pitchFamily="18" charset="0"/>
-                <a:cs typeface="Times New Roman" panose="02020603050405020304" pitchFamily="18" charset="0"/>
-              </a:rPr>
-              <a:t>: Provides a convenient platform for everyone to access law enforcement services.</a:t>
-            </a:r>
-          </a:p>
-          <a:p>
-            <a:pPr>
-              <a:buFont typeface="Wingdings" panose="05000000000000000000" pitchFamily="2" charset="2"/>
-              <a:buChar char="Ø"/>
-            </a:pPr>
-            <a:r>
-              <a:rPr lang="en-IN" sz="2400" b="1" dirty="0">
-                <a:latin typeface="Times New Roman" panose="02020603050405020304" pitchFamily="18" charset="0"/>
-                <a:cs typeface="Times New Roman" panose="02020603050405020304" pitchFamily="18" charset="0"/>
-              </a:rPr>
-              <a:t>Transparency</a:t>
-            </a:r>
-            <a:r>
-              <a:rPr lang="en-IN" sz="2400" dirty="0">
-                <a:latin typeface="Times New Roman" panose="02020603050405020304" pitchFamily="18" charset="0"/>
-                <a:cs typeface="Times New Roman" panose="02020603050405020304" pitchFamily="18" charset="0"/>
-              </a:rPr>
-              <a:t>: Users can track the status of their reports, ensuring transparency and accountability.</a:t>
-            </a:r>
-          </a:p>
-          <a:p>
-            <a:pPr>
-              <a:buFont typeface="Wingdings" panose="05000000000000000000" pitchFamily="2" charset="2"/>
-              <a:buChar char="Ø"/>
-            </a:pPr>
-            <a:r>
-              <a:rPr lang="en-IN" sz="2400" b="1" dirty="0">
-                <a:latin typeface="Times New Roman" panose="02020603050405020304" pitchFamily="18" charset="0"/>
-                <a:cs typeface="Times New Roman" panose="02020603050405020304" pitchFamily="18" charset="0"/>
-              </a:rPr>
-              <a:t>Cost-Effective: </a:t>
-            </a:r>
-            <a:r>
-              <a:rPr lang="en-IN" sz="2400" dirty="0">
-                <a:latin typeface="Times New Roman" panose="02020603050405020304" pitchFamily="18" charset="0"/>
-                <a:cs typeface="Times New Roman" panose="02020603050405020304" pitchFamily="18" charset="0"/>
-              </a:rPr>
-              <a:t>Reduces the need for physical police presence for minor incidents, saving costs.</a:t>
-            </a:r>
-          </a:p>
-          <a:p>
-            <a:pPr>
-              <a:buFont typeface="Wingdings" panose="05000000000000000000" pitchFamily="2" charset="2"/>
-              <a:buChar char="Ø"/>
-            </a:pPr>
-            <a:r>
-              <a:rPr lang="en-IN" sz="2400" b="1" dirty="0">
-                <a:latin typeface="Times New Roman" panose="02020603050405020304" pitchFamily="18" charset="0"/>
-                <a:cs typeface="Times New Roman" panose="02020603050405020304" pitchFamily="18" charset="0"/>
-              </a:rPr>
-              <a:t>Community Engagement: </a:t>
-            </a:r>
-            <a:r>
-              <a:rPr lang="en-IN" sz="2400" dirty="0">
-                <a:latin typeface="Times New Roman" panose="02020603050405020304" pitchFamily="18" charset="0"/>
-                <a:cs typeface="Times New Roman" panose="02020603050405020304" pitchFamily="18" charset="0"/>
-              </a:rPr>
-              <a:t>Strengthens community-police relations by providing a direct and open communication channel.</a:t>
-            </a:r>
-          </a:p>
-        </p:txBody>
-      </p:sp>
-    </p:spTree>
-    <p:extLst>
-      <p:ext uri="{BB962C8B-B14F-4D97-AF65-F5344CB8AC3E}">
-        <p14:creationId xmlns:p14="http://schemas.microsoft.com/office/powerpoint/2010/main" val="1159689401"/>
-      </p:ext>
-    </p:extLst>
-  </p:cSld>
-  <p:clrMapOvr>
-    <a:masterClrMapping/>
-  </p:clrMapOvr>
-</p:sld>
-</file>
-
-<file path=ppt/slides/slide9.xml><?xml version="1.0" encoding="utf-8"?>
-<p:sld xmlns:a="http://schemas.openxmlformats.org/drawingml/2006/main" xmlns:r="http://schemas.openxmlformats.org/officeDocument/2006/relationships" xmlns:p="http://schemas.openxmlformats.org/presentationml/2006/main">
-  <p:cSld>
-    <p:spTree>
-      <p:nvGrpSpPr>
-        <p:cNvPr id="1" name=""/>
-        <p:cNvGrpSpPr/>
-        <p:nvPr/>
-      </p:nvGrpSpPr>
-      <p:grpSpPr>
-        <a:xfrm>
-          <a:off x="0" y="0"/>
-          <a:ext cx="0" cy="0"/>
-          <a:chOff x="0" y="0"/>
-          <a:chExt cx="0" cy="0"/>
-        </a:xfrm>
-      </p:grpSpPr>
-      <p:sp>
-        <p:nvSpPr>
-          <p:cNvPr id="2" name="Title 1">
-            <a:extLst>
-              <a:ext uri="{FF2B5EF4-FFF2-40B4-BE49-F238E27FC236}">
-                <a16:creationId xmlns:a16="http://schemas.microsoft.com/office/drawing/2014/main" id="{81F6791E-84E0-BBA3-11E8-13042BF192B9}"/>
-              </a:ext>
-            </a:extLst>
-          </p:cNvPr>
-          <p:cNvSpPr>
-            <a:spLocks noGrp="1"/>
-          </p:cNvSpPr>
-          <p:nvPr>
-            <p:ph type="title"/>
-          </p:nvPr>
-        </p:nvSpPr>
-        <p:spPr/>
-        <p:txBody>
-          <a:bodyPr/>
-          <a:lstStyle/>
-          <a:p>
-            <a:r>
-              <a:rPr lang="en-IN" b="1" dirty="0">
-                <a:latin typeface="Times New Roman" panose="02020603050405020304" pitchFamily="18" charset="0"/>
-                <a:cs typeface="Times New Roman" panose="02020603050405020304" pitchFamily="18" charset="0"/>
-              </a:rPr>
-              <a:t>Disadvantages </a:t>
-            </a:r>
-            <a:r>
-              <a:rPr lang="en-IN" b="1" dirty="0" err="1" smtClean="0">
-                <a:latin typeface="Times New Roman" panose="02020603050405020304" pitchFamily="18" charset="0"/>
-                <a:cs typeface="Times New Roman" panose="02020603050405020304" pitchFamily="18" charset="0"/>
-              </a:rPr>
-              <a:t>oF</a:t>
-            </a:r>
-            <a:r>
-              <a:rPr lang="en-IN" b="1" dirty="0" smtClean="0">
-                <a:latin typeface="Times New Roman" panose="02020603050405020304" pitchFamily="18" charset="0"/>
-                <a:cs typeface="Times New Roman" panose="02020603050405020304" pitchFamily="18" charset="0"/>
-              </a:rPr>
-              <a:t> </a:t>
-            </a:r>
-            <a:r>
-              <a:rPr lang="en-IN" b="1" dirty="0">
-                <a:latin typeface="Times New Roman" panose="02020603050405020304" pitchFamily="18" charset="0"/>
-                <a:cs typeface="Times New Roman" panose="02020603050405020304" pitchFamily="18" charset="0"/>
-              </a:rPr>
-              <a:t>dial100.com</a:t>
-            </a:r>
-          </a:p>
-        </p:txBody>
-      </p:sp>
-      <p:sp>
-        <p:nvSpPr>
-          <p:cNvPr id="4" name="Rectangle 1">
-            <a:extLst>
-              <a:ext uri="{FF2B5EF4-FFF2-40B4-BE49-F238E27FC236}">
-                <a16:creationId xmlns:a16="http://schemas.microsoft.com/office/drawing/2014/main" id="{D7B52491-E4CD-3386-8092-9F295C4493AE}"/>
-              </a:ext>
-            </a:extLst>
-          </p:cNvPr>
-          <p:cNvSpPr>
-            <a:spLocks noGrp="1" noChangeArrowheads="1"/>
-          </p:cNvSpPr>
-          <p:nvPr>
-            <p:ph idx="1"/>
-          </p:nvPr>
-        </p:nvSpPr>
-        <p:spPr bwMode="auto">
-          <a:xfrm>
-            <a:off x="1451579" y="1976683"/>
-            <a:ext cx="8884406" cy="3046988"/>
-          </a:xfrm>
-          <a:prstGeom prst="rect">
-            <a:avLst/>
-          </a:prstGeom>
-          <a:noFill/>
-          <a:ln>
-            <a:noFill/>
-          </a:ln>
-          <a:effectLst/>
-          <a:extLst>
-            <a:ext uri="{909E8E84-426E-40DD-AFC4-6F175D3DCCD1}">
-              <a14:hiddenFill xmlns:a14="http://schemas.microsoft.com/office/drawing/2010/main">
-                <a:solidFill>
-                  <a:schemeClr val="accent1"/>
-                </a:solidFill>
-              </a14:hiddenFill>
-            </a:ext>
-            <a:ext uri="{91240B29-F687-4F45-9708-019B960494DF}">
-              <a14:hiddenLine xmlns:a14="http://schemas.microsoft.com/office/drawing/2010/main" w="9525">
-                <a:solidFill>
-                  <a:schemeClr val="tx1"/>
-                </a:solidFill>
-                <a:miter lim="800000"/>
-                <a:headEnd/>
-                <a:tailEnd/>
-              </a14:hiddenLine>
-            </a:ext>
-            <a:ext uri="{AF507438-7753-43E0-B8FC-AC1667EBCBE1}">
-              <a14:hiddenEffects xmlns:a14="http://schemas.microsoft.com/office/drawing/2010/main">
-                <a:effectLst>
-                  <a:outerShdw dist="35921" dir="2700000" algn="ctr" rotWithShape="0">
-                    <a:schemeClr val="bg2"/>
-                  </a:outerShdw>
-                </a:effectLst>
-              </a14:hiddenEffects>
-            </a:ext>
-          </a:extLst>
-        </p:spPr>
-        <p:txBody>
-          <a:bodyPr vert="horz" wrap="square" lIns="91440" tIns="45720" rIns="91440" bIns="45720" numCol="1" anchor="ctr" anchorCtr="0" compatLnSpc="1">
-            <a:prstTxWarp prst="textNoShape">
-              <a:avLst/>
-            </a:prstTxWarp>
-            <a:spAutoFit/>
-          </a:bodyPr>
-          <a:lstStyle/>
-          <a:p>
-            <a:pPr marR="0" lvl="0" algn="l" defTabSz="914400" rtl="0" eaLnBrk="0" fontAlgn="base" latinLnBrk="0" hangingPunct="0">
-              <a:lnSpc>
-                <a:spcPct val="100000"/>
-              </a:lnSpc>
-              <a:spcBef>
-                <a:spcPct val="0"/>
-              </a:spcBef>
-              <a:spcAft>
-                <a:spcPct val="0"/>
-              </a:spcAft>
-              <a:buClrTx/>
-              <a:buSzTx/>
-              <a:buFont typeface="Wingdings" panose="05000000000000000000" pitchFamily="2" charset="2"/>
-              <a:buChar char="Ø"/>
-              <a:tabLst/>
-            </a:pPr>
-            <a:r>
-              <a:rPr kumimoji="0" lang="en-US" altLang="en-US" sz="2400" b="1" i="0" u="none" strike="noStrike" cap="none" normalizeH="0" baseline="0" dirty="0">
-                <a:ln>
-                  <a:noFill/>
-                </a:ln>
-                <a:solidFill>
-                  <a:schemeClr val="tx1"/>
-                </a:solidFill>
-                <a:effectLst/>
-                <a:latin typeface="Times New Roman" panose="02020603050405020304" pitchFamily="18" charset="0"/>
-                <a:cs typeface="Times New Roman" panose="02020603050405020304" pitchFamily="18" charset="0"/>
-              </a:rPr>
-              <a:t>Digital Divide</a:t>
-            </a:r>
-            <a:r>
-              <a:rPr kumimoji="0" lang="en-US" altLang="en-US" sz="2400" b="0" i="0" u="none" strike="noStrike" cap="none" normalizeH="0" baseline="0" dirty="0">
-                <a:ln>
-                  <a:noFill/>
-                </a:ln>
-                <a:solidFill>
-                  <a:schemeClr val="tx1"/>
-                </a:solidFill>
-                <a:effectLst/>
-                <a:latin typeface="Times New Roman" panose="02020603050405020304" pitchFamily="18" charset="0"/>
-                <a:cs typeface="Times New Roman" panose="02020603050405020304" pitchFamily="18" charset="0"/>
-              </a:rPr>
-              <a:t>: Limited access for people without internet or tech-savvy skills.</a:t>
-            </a:r>
-          </a:p>
-          <a:p>
-            <a:pPr marR="0" lvl="0" algn="l" defTabSz="914400" rtl="0" eaLnBrk="0" fontAlgn="base" latinLnBrk="0" hangingPunct="0">
-              <a:lnSpc>
-                <a:spcPct val="100000"/>
-              </a:lnSpc>
-              <a:spcBef>
-                <a:spcPct val="0"/>
-              </a:spcBef>
-              <a:spcAft>
-                <a:spcPct val="0"/>
-              </a:spcAft>
-              <a:buClrTx/>
-              <a:buSzTx/>
-              <a:buFont typeface="Wingdings" panose="05000000000000000000" pitchFamily="2" charset="2"/>
-              <a:buChar char="Ø"/>
-              <a:tabLst/>
-            </a:pPr>
-            <a:r>
-              <a:rPr kumimoji="0" lang="en-US" altLang="en-US" sz="2400" b="1" i="0" u="none" strike="noStrike" cap="none" normalizeH="0" baseline="0" dirty="0">
-                <a:ln>
-                  <a:noFill/>
-                </a:ln>
-                <a:solidFill>
-                  <a:schemeClr val="tx1"/>
-                </a:solidFill>
-                <a:effectLst/>
-                <a:latin typeface="Times New Roman" panose="02020603050405020304" pitchFamily="18" charset="0"/>
-                <a:cs typeface="Times New Roman" panose="02020603050405020304" pitchFamily="18" charset="0"/>
-              </a:rPr>
-              <a:t>False Reports</a:t>
-            </a:r>
-            <a:r>
-              <a:rPr kumimoji="0" lang="en-US" altLang="en-US" sz="2400" b="0" i="0" u="none" strike="noStrike" cap="none" normalizeH="0" baseline="0" dirty="0">
-                <a:ln>
-                  <a:noFill/>
-                </a:ln>
-                <a:solidFill>
-                  <a:schemeClr val="tx1"/>
-                </a:solidFill>
-                <a:effectLst/>
-                <a:latin typeface="Times New Roman" panose="02020603050405020304" pitchFamily="18" charset="0"/>
-                <a:cs typeface="Times New Roman" panose="02020603050405020304" pitchFamily="18" charset="0"/>
-              </a:rPr>
-              <a:t>: Risk of receiving fake or misleading crime reports.</a:t>
-            </a:r>
-          </a:p>
-          <a:p>
-            <a:pPr marR="0" lvl="0" algn="l" defTabSz="914400" rtl="0" eaLnBrk="0" fontAlgn="base" latinLnBrk="0" hangingPunct="0">
-              <a:lnSpc>
-                <a:spcPct val="100000"/>
-              </a:lnSpc>
-              <a:spcBef>
-                <a:spcPct val="0"/>
-              </a:spcBef>
-              <a:spcAft>
-                <a:spcPct val="0"/>
-              </a:spcAft>
-              <a:buClrTx/>
-              <a:buSzTx/>
-              <a:buFont typeface="Wingdings" panose="05000000000000000000" pitchFamily="2" charset="2"/>
-              <a:buChar char="Ø"/>
-              <a:tabLst/>
-            </a:pPr>
-            <a:r>
-              <a:rPr kumimoji="0" lang="en-US" altLang="en-US" sz="2400" b="1" i="0" u="none" strike="noStrike" cap="none" normalizeH="0" baseline="0" dirty="0">
-                <a:ln>
-                  <a:noFill/>
-                </a:ln>
-                <a:solidFill>
-                  <a:schemeClr val="tx1"/>
-                </a:solidFill>
-                <a:effectLst/>
-                <a:latin typeface="Times New Roman" panose="02020603050405020304" pitchFamily="18" charset="0"/>
-                <a:cs typeface="Times New Roman" panose="02020603050405020304" pitchFamily="18" charset="0"/>
-              </a:rPr>
-              <a:t>Data Privacy Concerns</a:t>
-            </a:r>
-            <a:r>
-              <a:rPr kumimoji="0" lang="en-US" altLang="en-US" sz="2400" b="0" i="0" u="none" strike="noStrike" cap="none" normalizeH="0" baseline="0" dirty="0">
-                <a:ln>
-                  <a:noFill/>
-                </a:ln>
-                <a:solidFill>
-                  <a:schemeClr val="tx1"/>
-                </a:solidFill>
-                <a:effectLst/>
-                <a:latin typeface="Times New Roman" panose="02020603050405020304" pitchFamily="18" charset="0"/>
-                <a:cs typeface="Times New Roman" panose="02020603050405020304" pitchFamily="18" charset="0"/>
-              </a:rPr>
-              <a:t>: Potential risks related to the handling and security of sensitive user information. </a:t>
-            </a:r>
-          </a:p>
-          <a:p>
-            <a:pPr marR="0" lvl="0" algn="l" defTabSz="914400" rtl="0" eaLnBrk="0" fontAlgn="base" latinLnBrk="0" hangingPunct="0">
-              <a:lnSpc>
-                <a:spcPct val="100000"/>
-              </a:lnSpc>
-              <a:spcBef>
-                <a:spcPct val="0"/>
-              </a:spcBef>
-              <a:spcAft>
-                <a:spcPct val="0"/>
-              </a:spcAft>
-              <a:buClrTx/>
-              <a:buSzTx/>
-              <a:buFont typeface="Wingdings" panose="05000000000000000000" pitchFamily="2" charset="2"/>
-              <a:buChar char="Ø"/>
-              <a:tabLst/>
-            </a:pPr>
-            <a:r>
-              <a:rPr lang="en-IN" sz="2400" b="1" dirty="0">
-                <a:latin typeface="Times New Roman" panose="02020603050405020304" pitchFamily="18" charset="0"/>
-                <a:cs typeface="Times New Roman" panose="02020603050405020304" pitchFamily="18" charset="0"/>
-              </a:rPr>
-              <a:t>Limited Physical Presence</a:t>
-            </a:r>
-            <a:r>
-              <a:rPr lang="en-IN" sz="2400" dirty="0">
-                <a:latin typeface="Times New Roman" panose="02020603050405020304" pitchFamily="18" charset="0"/>
-                <a:cs typeface="Times New Roman" panose="02020603050405020304" pitchFamily="18" charset="0"/>
-              </a:rPr>
-              <a:t>: Reduced face-to-face interaction with law enforcement might affect the thoroughness of some investigations.</a:t>
-            </a:r>
-            <a:endParaRPr kumimoji="0" lang="en-US" altLang="en-US" sz="2800" b="0" i="0" u="none" strike="noStrike" cap="none" normalizeH="0" baseline="0" dirty="0">
-              <a:ln>
-                <a:noFill/>
-              </a:ln>
-              <a:solidFill>
-                <a:schemeClr val="tx1"/>
-              </a:solidFill>
-              <a:effectLst/>
-              <a:latin typeface="Times New Roman" panose="02020603050405020304" pitchFamily="18" charset="0"/>
-              <a:cs typeface="Times New Roman" panose="02020603050405020304" pitchFamily="18" charset="0"/>
-            </a:endParaRPr>
-          </a:p>
-        </p:txBody>
-      </p:sp>
-    </p:spTree>
-    <p:extLst>
-      <p:ext uri="{BB962C8B-B14F-4D97-AF65-F5344CB8AC3E}">
-        <p14:creationId xmlns:p14="http://schemas.microsoft.com/office/powerpoint/2010/main" val="1998000935"/>
       </p:ext>
     </p:extLst>
   </p:cSld>

--- a/Dial100 .pptx
+++ b/Dial100 .pptx
@@ -4648,12 +4648,16 @@
           <a:p>
             <a:pPr algn="ctr"/>
             <a:r>
-              <a:rPr lang="en-IN" b="1" dirty="0">
-                <a:latin typeface="Times New Roman" panose="02020603050405020304" pitchFamily="18" charset="0"/>
-                <a:cs typeface="Times New Roman" panose="02020603050405020304" pitchFamily="18" charset="0"/>
-              </a:rPr>
-              <a:t>Dial1100.com</a:t>
-            </a:r>
+              <a:rPr lang="en-IN" b="1" smtClean="0">
+                <a:latin typeface="Times New Roman" panose="02020603050405020304" pitchFamily="18" charset="0"/>
+                <a:cs typeface="Times New Roman" panose="02020603050405020304" pitchFamily="18" charset="0"/>
+              </a:rPr>
+              <a:t>Dial100.com</a:t>
+            </a:r>
+            <a:endParaRPr lang="en-IN" b="1" dirty="0">
+              <a:latin typeface="Times New Roman" panose="02020603050405020304" pitchFamily="18" charset="0"/>
+              <a:cs typeface="Times New Roman" panose="02020603050405020304" pitchFamily="18" charset="0"/>
+            </a:endParaRPr>
           </a:p>
         </p:txBody>
       </p:sp>
